--- a/modling /ppt/第11.1讲--交叉验证策略及实现.pptx
+++ b/modling /ppt/第11.1讲--交叉验证策略及实现.pptx
@@ -281,7 +281,7 @@
               <a:pPr>
                 <a:defRPr/>
               </a:pPr>
-              <a:t>2020/5/12</a:t>
+              <a:t>2020/5/20</a:t>
             </a:fld>
             <a:endParaRPr lang="zh-CN" altLang="en-US"/>
           </a:p>
@@ -482,7 +482,7 @@
               <a:pPr>
                 <a:defRPr/>
               </a:pPr>
-              <a:t>2020/5/12</a:t>
+              <a:t>2020/5/20</a:t>
             </a:fld>
             <a:endParaRPr lang="zh-CN" altLang="en-US"/>
           </a:p>
@@ -931,6 +931,11 @@
         </p:txBody>
       </p:sp>
     </p:spTree>
+    <p:extLst>
+      <p:ext uri="{BB962C8B-B14F-4D97-AF65-F5344CB8AC3E}">
+        <p14:creationId xmlns:p14="http://schemas.microsoft.com/office/powerpoint/2010/main" val="1095539504"/>
+      </p:ext>
+    </p:extLst>
   </p:cSld>
   <p:clrMapOvr>
     <a:masterClrMapping/>
@@ -5294,25 +5299,24 @@
             </a:pPr>
             <a:r>
               <a:rPr lang="en-US" altLang="zh-CN" sz="2000" dirty="0"/>
-              <a:t>Y=data</a:t>
-            </a:r>
-            <a:r>
-              <a:rPr lang="en-US" altLang="zh-CN" sz="2000"/>
-              <a:t>[-</a:t>
-            </a:r>
-            <a:r>
-              <a:rPr lang="en-US" altLang="zh-CN" sz="2000" smtClean="0"/>
+              <a:t>Y=data[-</a:t>
+            </a:r>
+            <a:r>
+              <a:rPr lang="en-US" altLang="zh-CN" sz="2000" dirty="0" smtClean="0"/>
               <a:t>1:].T</a:t>
             </a:r>
-            <a:endParaRPr lang="en-US" altLang="zh-CN" sz="2000" smtClean="0"/>
           </a:p>
           <a:p>
             <a:pPr marL="68263" indent="0">
               <a:buNone/>
             </a:pPr>
             <a:r>
-              <a:rPr lang="en-US" altLang="zh-CN" sz="2000" smtClean="0"/>
-              <a:t>kf </a:t>
+              <a:rPr lang="en-US" altLang="zh-CN" sz="2000" dirty="0" err="1" smtClean="0"/>
+              <a:t>kf</a:t>
+            </a:r>
+            <a:r>
+              <a:rPr lang="en-US" altLang="zh-CN" sz="2000" dirty="0" smtClean="0"/>
+              <a:t> </a:t>
             </a:r>
             <a:r>
               <a:rPr lang="en-US" altLang="zh-CN" sz="2000" dirty="0"/>
@@ -5350,18 +5354,18 @@
             </a:r>
             <a:r>
               <a:rPr lang="en-US" altLang="zh-CN" sz="2000" dirty="0"/>
-              <a:t>=None</a:t>
-            </a:r>
-            <a:r>
-              <a:rPr lang="en-US" altLang="zh-CN" sz="2000"/>
-              <a:t>;  </a:t>
-            </a:r>
-            <a:r>
-              <a:rPr lang="en-US" altLang="zh-CN" sz="2000" smtClean="0"/>
-              <a:t>yHat=None  # </a:t>
-            </a:r>
-            <a:r>
-              <a:rPr lang="zh-CN" altLang="en-US" sz="2000" smtClean="0"/>
+              <a:t>=None;  </a:t>
+            </a:r>
+            <a:r>
+              <a:rPr lang="en-US" altLang="zh-CN" sz="2000" dirty="0" err="1" smtClean="0"/>
+              <a:t>yHat</a:t>
+            </a:r>
+            <a:r>
+              <a:rPr lang="en-US" altLang="zh-CN" sz="2000" dirty="0" smtClean="0"/>
+              <a:t>=None  # </a:t>
+            </a:r>
+            <a:r>
+              <a:rPr lang="zh-CN" altLang="en-US" sz="2000" dirty="0" smtClean="0"/>
               <a:t>用于后续记录交叉验证合并的矩阵</a:t>
             </a:r>
             <a:endParaRPr lang="en-US" altLang="zh-CN" sz="2000" dirty="0"/>
@@ -5930,7 +5934,7 @@
               <a:buNone/>
             </a:pPr>
             <a:r>
-              <a:rPr lang="en-US" altLang="zh-CN" sz="2000"/>
+              <a:rPr lang="en-US" altLang="zh-CN" sz="2000" dirty="0"/>
               <a:t>    </a:t>
             </a:r>
             <a:r>
@@ -5938,27 +5942,31 @@
               <a:t>y</a:t>
             </a:r>
             <a:r>
-              <a:rPr lang="en-US" altLang="zh-CN" sz="2000" smtClean="0"/>
-              <a:t>_pred </a:t>
+              <a:rPr lang="en-US" altLang="zh-CN" sz="2000" dirty="0" err="1" smtClean="0"/>
+              <a:t>_pred</a:t>
+            </a:r>
+            <a:r>
+              <a:rPr lang="en-US" altLang="zh-CN" sz="2000" dirty="0" smtClean="0"/>
+              <a:t> </a:t>
             </a:r>
             <a:r>
               <a:rPr lang="en-US" altLang="zh-CN" sz="2000" dirty="0"/>
               <a:t>= </a:t>
             </a:r>
             <a:r>
-              <a:rPr lang="en-US" altLang="zh-CN" sz="2000" err="1"/>
+              <a:rPr lang="en-US" altLang="zh-CN" sz="2000" dirty="0" err="1"/>
               <a:t>pls.predict</a:t>
             </a:r>
             <a:r>
-              <a:rPr lang="en-US" altLang="zh-CN" sz="2000"/>
+              <a:rPr lang="en-US" altLang="zh-CN" sz="2000" dirty="0"/>
               <a:t>(</a:t>
             </a:r>
             <a:r>
-              <a:rPr lang="en-US" altLang="zh-CN" sz="2000" err="1"/>
+              <a:rPr lang="en-US" altLang="zh-CN" sz="2000" dirty="0" err="1"/>
               <a:t>X_test</a:t>
             </a:r>
             <a:r>
-              <a:rPr lang="en-US" altLang="zh-CN" sz="2000" smtClean="0"/>
+              <a:rPr lang="en-US" altLang="zh-CN" sz="2000" dirty="0" smtClean="0"/>
               <a:t>)</a:t>
             </a:r>
             <a:endParaRPr lang="en-US" altLang="zh-CN" sz="2000" dirty="0"/>
@@ -5977,30 +5985,26 @@
             </a:r>
             <a:r>
               <a:rPr lang="en-US" altLang="zh-CN" sz="2000" dirty="0"/>
-              <a:t> is </a:t>
-            </a:r>
-            <a:r>
-              <a:rPr lang="en-US" altLang="zh-CN" sz="2000"/>
-              <a:t>None</a:t>
-            </a:r>
-            <a:r>
-              <a:rPr lang="en-US" altLang="zh-CN" sz="2000" smtClean="0"/>
+              <a:t> is None</a:t>
+            </a:r>
+            <a:r>
+              <a:rPr lang="en-US" altLang="zh-CN" sz="2000" dirty="0" smtClean="0"/>
               <a:t>:  # </a:t>
             </a:r>
             <a:r>
-              <a:rPr lang="zh-CN" altLang="en-US" sz="2000" smtClean="0"/>
+              <a:rPr lang="zh-CN" altLang="en-US" sz="2000" dirty="0" smtClean="0"/>
               <a:t>第一份预测，当时</a:t>
             </a:r>
             <a:r>
-              <a:rPr lang="en-US" altLang="zh-CN" sz="2000" smtClean="0"/>
+              <a:rPr lang="en-US" altLang="zh-CN" sz="2000" dirty="0" err="1" smtClean="0"/>
               <a:t>yTrue</a:t>
             </a:r>
             <a:r>
-              <a:rPr lang="zh-CN" altLang="en-US" sz="2000" smtClean="0"/>
+              <a:rPr lang="zh-CN" altLang="en-US" sz="2000" dirty="0" smtClean="0"/>
               <a:t>是</a:t>
             </a:r>
             <a:r>
-              <a:rPr lang="en-US" altLang="zh-CN" sz="2000" smtClean="0"/>
+              <a:rPr lang="en-US" altLang="zh-CN" sz="2000" dirty="0" smtClean="0"/>
               <a:t>None</a:t>
             </a:r>
             <a:endParaRPr lang="en-US" altLang="zh-CN" sz="2000" dirty="0"/>
@@ -6039,20 +6043,28 @@
               <a:buNone/>
             </a:pPr>
             <a:r>
-              <a:rPr lang="zh-CN" altLang="en-US" sz="2000"/>
+              <a:rPr lang="zh-CN" altLang="en-US" sz="2000" dirty="0"/>
               <a:t>        </a:t>
             </a:r>
             <a:r>
-              <a:rPr lang="en-US" altLang="zh-CN" sz="2000" smtClean="0"/>
-              <a:t>yHat=</a:t>
+              <a:rPr lang="en-US" altLang="zh-CN" sz="2000" dirty="0" err="1" smtClean="0"/>
+              <a:t>yHat</a:t>
+            </a:r>
+            <a:r>
+              <a:rPr lang="en-US" altLang="zh-CN" sz="2000" dirty="0" smtClean="0"/>
+              <a:t>=</a:t>
             </a:r>
             <a:r>
               <a:rPr lang="en-US" altLang="zh-CN" sz="2000" dirty="0" err="1"/>
               <a:t>y</a:t>
             </a:r>
             <a:r>
-              <a:rPr lang="en-US" altLang="zh-CN" sz="2000" smtClean="0"/>
-              <a:t>_pred  </a:t>
+              <a:rPr lang="en-US" altLang="zh-CN" sz="2000" dirty="0" err="1" smtClean="0"/>
+              <a:t>_pred</a:t>
+            </a:r>
+            <a:r>
+              <a:rPr lang="en-US" altLang="zh-CN" sz="2000" dirty="0" smtClean="0"/>
+              <a:t>  </a:t>
             </a:r>
             <a:r>
               <a:rPr lang="en-US" altLang="zh-CN" sz="2000" dirty="0"/>
@@ -6106,19 +6118,11 @@
             </a:r>
             <a:r>
               <a:rPr lang="en-US" altLang="zh-CN" sz="2000" dirty="0" smtClean="0"/>
-              <a:t>]  </a:t>
-            </a:r>
-            <a:r>
-              <a:rPr lang="en-US" altLang="zh-CN" sz="2000" smtClean="0"/>
-              <a:t>#  </a:t>
-            </a:r>
-            <a:r>
-              <a:rPr lang="zh-CN" altLang="en-US" sz="2000" smtClean="0"/>
-              <a:t>后续预测，进行行</a:t>
+              <a:t>]  #  </a:t>
             </a:r>
             <a:r>
               <a:rPr lang="zh-CN" altLang="en-US" sz="2000" dirty="0" smtClean="0"/>
-              <a:t>叠加</a:t>
+              <a:t>后续预测，进行行叠加</a:t>
             </a:r>
             <a:endParaRPr lang="en-US" altLang="zh-CN" sz="2000" dirty="0"/>
           </a:p>
@@ -6151,7 +6155,7 @@
               <a:t>yHat</a:t>
             </a:r>
             <a:r>
-              <a:rPr lang="en-US" altLang="zh-CN" sz="2000"/>
+              <a:rPr lang="en-US" altLang="zh-CN" sz="2000" dirty="0"/>
               <a:t>, </a:t>
             </a:r>
             <a:r>
@@ -6159,7 +6163,7 @@
               <a:t>y</a:t>
             </a:r>
             <a:r>
-              <a:rPr lang="en-US" altLang="zh-CN" sz="2000" smtClean="0"/>
+              <a:rPr lang="en-US" altLang="zh-CN" sz="2000" dirty="0" err="1" smtClean="0"/>
               <a:t>_pred</a:t>
             </a:r>
             <a:r>
@@ -8253,46 +8257,46 @@
             </a:r>
             <a:r>
               <a:rPr lang="zh-CN" altLang="en-US" sz="2000" dirty="0" smtClean="0"/>
-              <a:t>有机发光材料，折叠屏幕，玻璃点，即开始融化成玻璃态</a:t>
-            </a:r>
-            <a:r>
-              <a:rPr lang="zh-CN" altLang="en-US" sz="2000" smtClean="0"/>
-              <a:t>的温度</a:t>
-            </a:r>
-            <a:endParaRPr lang="en-US" altLang="zh-CN" sz="2000" smtClean="0"/>
+              <a:t>有机发光材料，折叠屏幕，玻璃点，即开始融化成玻璃态的温度</a:t>
+            </a:r>
+            <a:endParaRPr lang="en-US" altLang="zh-CN" sz="2000" dirty="0" smtClean="0"/>
           </a:p>
           <a:p>
             <a:pPr marL="68263" indent="0">
               <a:buNone/>
             </a:pPr>
             <a:r>
-              <a:rPr lang="en-US" altLang="zh-CN" sz="2000" smtClean="0"/>
+              <a:rPr lang="en-US" altLang="zh-CN" sz="2000" dirty="0" smtClean="0"/>
               <a:t># </a:t>
             </a:r>
             <a:r>
-              <a:rPr lang="zh-CN" altLang="en-US" sz="2000" smtClean="0"/>
+              <a:rPr lang="zh-CN" altLang="en-US" sz="2000" dirty="0" smtClean="0"/>
               <a:t>与多种材料的分子性质、物理性质有关</a:t>
             </a:r>
-            <a:endParaRPr lang="en-US" altLang="zh-CN" sz="2000" smtClean="0"/>
+            <a:endParaRPr lang="en-US" altLang="zh-CN" sz="2000" dirty="0" smtClean="0"/>
           </a:p>
           <a:p>
             <a:pPr marL="68263" indent="0">
               <a:buNone/>
             </a:pPr>
             <a:r>
-              <a:rPr lang="en-US" altLang="zh-CN" sz="2000" smtClean="0"/>
+              <a:rPr lang="en-US" altLang="zh-CN" sz="2000" dirty="0" smtClean="0"/>
               <a:t>#</a:t>
             </a:r>
             <a:r>
+              <a:rPr lang="zh-CN" altLang="en-US" sz="2000" dirty="0" smtClean="0"/>
+              <a:t> </a:t>
+            </a:r>
+            <a:r>
               <a:rPr lang="zh-CN" altLang="en-US" sz="2000" smtClean="0"/>
-              <a:t>请用</a:t>
+              <a:t>请 用</a:t>
             </a:r>
             <a:r>
               <a:rPr lang="en-US" altLang="zh-CN" sz="2000" smtClean="0"/>
               <a:t>PLS</a:t>
             </a:r>
             <a:r>
-              <a:rPr lang="zh-CN" altLang="en-US" sz="2000" smtClean="0"/>
+              <a:rPr lang="zh-CN" altLang="en-US" sz="2000" dirty="0" smtClean="0"/>
               <a:t>交叉验证建模预测</a:t>
             </a:r>
             <a:endParaRPr lang="en-US" altLang="zh-CN" sz="2000" dirty="0" smtClean="0"/>
@@ -8303,7 +8307,7 @@
             </a:pPr>
             <a:r>
               <a:rPr lang="zh-CN" altLang="en-US" sz="2000" dirty="0" smtClean="0"/>
-              <a:t>数据</a:t>
+              <a:t> 数 据</a:t>
             </a:r>
             <a:endParaRPr lang="en-US" altLang="zh-CN" sz="2000" dirty="0" smtClean="0"/>
           </a:p>
@@ -9238,14 +9242,7 @@
                 <a:latin typeface="等线" panose="02010600030101010101" pitchFamily="2" charset="-122"/>
                 <a:ea typeface="等线" panose="02010600030101010101" pitchFamily="2" charset="-122"/>
               </a:rPr>
-              <a:t>Y=data[-1</a:t>
-            </a:r>
-            <a:r>
-              <a:rPr lang="en-US" altLang="zh-CN" sz="2000">
-                <a:latin typeface="等线" panose="02010600030101010101" pitchFamily="2" charset="-122"/>
-                <a:ea typeface="等线" panose="02010600030101010101" pitchFamily="2" charset="-122"/>
-              </a:rPr>
-              <a:t>:].</a:t>
+              <a:t>Y=data[-1:].</a:t>
             </a:r>
             <a:r>
               <a:rPr lang="en-US" altLang="zh-CN" sz="2000" smtClean="0">
@@ -9503,14 +9500,7 @@
                 <a:latin typeface="等线" panose="02010600030101010101" pitchFamily="2" charset="-122"/>
                 <a:ea typeface="等线" panose="02010600030101010101" pitchFamily="2" charset="-122"/>
               </a:rPr>
-              <a:t>请多</a:t>
-            </a:r>
-            <a:r>
-              <a:rPr lang="zh-CN" altLang="en-US" sz="2000" smtClean="0">
-                <a:latin typeface="等线" panose="02010600030101010101" pitchFamily="2" charset="-122"/>
-                <a:ea typeface="等线" panose="02010600030101010101" pitchFamily="2" charset="-122"/>
-              </a:rPr>
-              <a:t>运行几遍</a:t>
+              <a:t>请多运行几遍</a:t>
             </a:r>
             <a:endParaRPr lang="en-US" altLang="zh-CN" sz="2000">
               <a:latin typeface="等线" panose="02010600030101010101" pitchFamily="2" charset="-122"/>
@@ -12429,23 +12419,16 @@
                 <a:latin typeface="等线" panose="02010600030101010101" pitchFamily="2" charset="-122"/>
                 <a:ea typeface="等线" panose="02010600030101010101" pitchFamily="2" charset="-122"/>
               </a:rPr>
-              <a:t>生成对象，即可完成每一个份交叉验证的</a:t>
-            </a:r>
-            <a:r>
-              <a:rPr lang="zh-CN" altLang="zh-CN" sz="2400">
-                <a:latin typeface="等线" panose="02010600030101010101" pitchFamily="2" charset="-122"/>
-                <a:ea typeface="等线" panose="02010600030101010101" pitchFamily="2" charset="-122"/>
-              </a:rPr>
-              <a:t>样本</a:t>
-            </a:r>
-            <a:r>
-              <a:rPr lang="zh-CN" altLang="zh-CN" sz="2400" smtClean="0">
+              <a:t>生成对象，即可完成每一个份交叉验证的样本</a:t>
+            </a:r>
+            <a:r>
+              <a:rPr lang="zh-CN" altLang="zh-CN" sz="2400" dirty="0" smtClean="0">
                 <a:latin typeface="等线" panose="02010600030101010101" pitchFamily="2" charset="-122"/>
                 <a:ea typeface="等线" panose="02010600030101010101" pitchFamily="2" charset="-122"/>
               </a:rPr>
               <a:t>组成</a:t>
             </a:r>
-            <a:endParaRPr lang="en-US" altLang="zh-CN" sz="2400" smtClean="0">
+            <a:endParaRPr lang="en-US" altLang="zh-CN" sz="2400" dirty="0" smtClean="0">
               <a:latin typeface="等线" panose="02010600030101010101" pitchFamily="2" charset="-122"/>
               <a:ea typeface="等线" panose="02010600030101010101" pitchFamily="2" charset="-122"/>
             </a:endParaRPr>
